--- a/chris_larson/apache-poi/slideshow.pptx
+++ b/chris_larson/apache-poi/slideshow.pptx
@@ -3251,7 +3251,7 @@
           <p:nvPr/>
         </p:nvGraphicFramePr>
         <p:xfrm>
-          <a:off x="635000" y="635000"/>
+          <a:off x="952500" y="635000"/>
           <a:ext cx="5715000" cy="3810000"/>
         </p:xfrm>
         <a:graphic>
@@ -3259,6 +3259,7 @@
             <a:tbl>
               <a:tblPr/>
               <a:tblGrid>
+                <a:gridCol w="1905000"/>
                 <a:gridCol w="1905000"/>
                 <a:gridCol w="1905000"/>
                 <a:gridCol w="1905000"/>
@@ -3385,6 +3386,201 @@
                     <a:solidFill>
                       <a:srgbClr val="4F81BD"/>
                     </a:solidFill>
+                  </a:tcPr>
+                </a:tc>
+                <a:tc>
+                  <a:txBody>
+                    <a:bodyPr anchor="t" rtlCol="false"/>
+                    <a:lstStyle/>
+                    <a:p>
+                      <a:pPr algn="ctr"/>
+                      <a:r>
+                        <a:rPr lang="en-US" b="true">
+                          <a:solidFill>
+                            <a:srgbClr val="FFFFFF"/>
+                          </a:solidFill>
+                        </a:rPr>
+                        <a:t>Header 3</a:t>
+                      </a:r>
+                      <a:endParaRPr lang="en-US" sz="1100"/>
+                    </a:p>
+                  </a:txBody>
+                  <a:tcPr>
+                    <a:lnL>
+                      <a:noFill/>
+                    </a:lnL>
+                    <a:lnR>
+                      <a:noFill/>
+                    </a:lnR>
+                    <a:lnT>
+                      <a:noFill/>
+                    </a:lnT>
+                    <a:lnB w="25400" cmpd="sng" algn="ctr" cap="flat">
+                      <a:solidFill>
+                        <a:srgbClr val="FFFFFF"/>
+                      </a:solidFill>
+                      <a:prstDash val="solid"/>
+                      <a:round/>
+                      <a:headEnd type="none" w="med" len="med"/>
+                      <a:tailEnd type="none" w="med" len="med"/>
+                    </a:lnB>
+                    <a:solidFill>
+                      <a:srgbClr val="4F81BD"/>
+                    </a:solidFill>
+                  </a:tcPr>
+                </a:tc>
+              </a:tr>
+              <a:tr h="254000">
+                <a:tc>
+                  <a:txBody>
+                    <a:bodyPr anchor="t" rtlCol="false"/>
+                    <a:lstStyle/>
+                    <a:p>
+                      <a:pPr algn="ctr"/>
+                      <a:r>
+                        <a:rPr lang="en-US" b="true">
+                          <a:solidFill>
+                            <a:srgbClr val="000000"/>
+                          </a:solidFill>
+                        </a:rPr>
+                        <a:t>Header 0</a:t>
+                      </a:r>
+                      <a:endParaRPr lang="en-US" sz="1100"/>
+                    </a:p>
+                  </a:txBody>
+                  <a:tcPr>
+                    <a:lnL>
+                      <a:noFill/>
+                    </a:lnL>
+                    <a:lnR>
+                      <a:noFill/>
+                    </a:lnR>
+                    <a:lnT>
+                      <a:noFill/>
+                    </a:lnT>
+                    <a:lnB w="25400" cmpd="sng" algn="ctr" cap="flat">
+                      <a:solidFill>
+                        <a:srgbClr val="000000"/>
+                      </a:solidFill>
+                      <a:prstDash val="solid"/>
+                      <a:round/>
+                      <a:headEnd type="none" w="med" len="med"/>
+                      <a:tailEnd type="none" w="med" len="med"/>
+                    </a:lnB>
+                  </a:tcPr>
+                </a:tc>
+                <a:tc>
+                  <a:txBody>
+                    <a:bodyPr anchor="t" rtlCol="false"/>
+                    <a:lstStyle/>
+                    <a:p>
+                      <a:pPr algn="ctr"/>
+                      <a:r>
+                        <a:rPr lang="en-US" b="true">
+                          <a:solidFill>
+                            <a:srgbClr val="000000"/>
+                          </a:solidFill>
+                        </a:rPr>
+                        <a:t>Header 1</a:t>
+                      </a:r>
+                      <a:endParaRPr lang="en-US" sz="1100"/>
+                    </a:p>
+                  </a:txBody>
+                  <a:tcPr>
+                    <a:lnL>
+                      <a:noFill/>
+                    </a:lnL>
+                    <a:lnR>
+                      <a:noFill/>
+                    </a:lnR>
+                    <a:lnT>
+                      <a:noFill/>
+                    </a:lnT>
+                    <a:lnB w="25400" cmpd="sng" algn="ctr" cap="flat">
+                      <a:solidFill>
+                        <a:srgbClr val="000000"/>
+                      </a:solidFill>
+                      <a:prstDash val="solid"/>
+                      <a:round/>
+                      <a:headEnd type="none" w="med" len="med"/>
+                      <a:tailEnd type="none" w="med" len="med"/>
+                    </a:lnB>
+                  </a:tcPr>
+                </a:tc>
+                <a:tc>
+                  <a:txBody>
+                    <a:bodyPr anchor="t" rtlCol="false"/>
+                    <a:lstStyle/>
+                    <a:p>
+                      <a:pPr algn="ctr"/>
+                      <a:r>
+                        <a:rPr lang="en-US" b="true">
+                          <a:solidFill>
+                            <a:srgbClr val="000000"/>
+                          </a:solidFill>
+                        </a:rPr>
+                        <a:t>Header 2</a:t>
+                      </a:r>
+                      <a:endParaRPr lang="en-US" sz="1100"/>
+                    </a:p>
+                  </a:txBody>
+                  <a:tcPr>
+                    <a:lnL>
+                      <a:noFill/>
+                    </a:lnL>
+                    <a:lnR>
+                      <a:noFill/>
+                    </a:lnR>
+                    <a:lnT>
+                      <a:noFill/>
+                    </a:lnT>
+                    <a:lnB w="25400" cmpd="sng" algn="ctr" cap="flat">
+                      <a:solidFill>
+                        <a:srgbClr val="000000"/>
+                      </a:solidFill>
+                      <a:prstDash val="solid"/>
+                      <a:round/>
+                      <a:headEnd type="none" w="med" len="med"/>
+                      <a:tailEnd type="none" w="med" len="med"/>
+                    </a:lnB>
+                  </a:tcPr>
+                </a:tc>
+                <a:tc>
+                  <a:txBody>
+                    <a:bodyPr anchor="t" rtlCol="false"/>
+                    <a:lstStyle/>
+                    <a:p>
+                      <a:pPr algn="ctr"/>
+                      <a:r>
+                        <a:rPr lang="en-US" b="true">
+                          <a:solidFill>
+                            <a:srgbClr val="000000"/>
+                          </a:solidFill>
+                        </a:rPr>
+                        <a:t>Header 3</a:t>
+                      </a:r>
+                      <a:endParaRPr lang="en-US" sz="1100"/>
+                    </a:p>
+                  </a:txBody>
+                  <a:tcPr>
+                    <a:lnL>
+                      <a:noFill/>
+                    </a:lnL>
+                    <a:lnR>
+                      <a:noFill/>
+                    </a:lnR>
+                    <a:lnT>
+                      <a:noFill/>
+                    </a:lnT>
+                    <a:lnB w="25400" cmpd="sng" algn="ctr" cap="flat">
+                      <a:solidFill>
+                        <a:srgbClr val="000000"/>
+                      </a:solidFill>
+                      <a:prstDash val="solid"/>
+                      <a:round/>
+                      <a:headEnd type="none" w="med" len="med"/>
+                      <a:tailEnd type="none" w="med" len="med"/>
+                    </a:lnB>
                   </a:tcPr>
                 </a:tc>
               </a:tr>
